--- a/Machine Learning Assignment_Eneri_Boniakou.pptx
+++ b/Machine Learning Assignment_Eneri_Boniakou.pptx
@@ -118,7 +118,24 @@
       </a:defRPr>
     </a:lvl9pPr>
   </p:defaultTextStyle>
+  <p:extLst>
+    <p:ext uri="{EFAFB233-063F-42B5-8137-9DF3F51BA10A}">
+      <p15:sldGuideLst xmlns:p15="http://schemas.microsoft.com/office/powerpoint/2012/main"/>
+    </p:ext>
+  </p:extLst>
 </p:presentation>
+</file>
+
+<file path=ppt/commentAuthors.xml><?xml version="1.0" encoding="utf-8"?>
+<p:cmAuthorLst xmlns:a="http://schemas.openxmlformats.org/drawingml/2006/main" xmlns:r="http://schemas.openxmlformats.org/officeDocument/2006/relationships" xmlns:p="http://schemas.openxmlformats.org/presentationml/2006/main">
+  <p:cmAuthor id="1" name="Microsoft account" initials="Ma" lastIdx="1" clrIdx="0">
+    <p:extLst>
+      <p:ext uri="{19B8F6BF-5375-455C-9EA6-DF929625EA0E}">
+        <p15:presenceInfo xmlns:p15="http://schemas.microsoft.com/office/powerpoint/2012/main" userId="754fed6329ba19c4" providerId="Windows Live"/>
+      </p:ext>
+    </p:extLst>
+  </p:cmAuthor>
+</p:cmAuthorLst>
 </file>
 
 <file path=ppt/notesMasters/notesMaster1.xml><?xml version="1.0" encoding="utf-8"?>
@@ -203,7 +220,7 @@
           <a:p>
             <a:fld id="{FCC49EC7-CC51-4F38-A6D1-0C5ED5404F39}" type="datetimeFigureOut">
               <a:rPr lang="el-GR" smtClean="0"/>
-              <a:t>5/2/2025</a:t>
+              <a:t>6/2/2025</a:t>
             </a:fld>
             <a:endParaRPr lang="el-GR"/>
           </a:p>
@@ -865,7 +882,7 @@
           <a:p>
             <a:fld id="{55403B35-70B7-4AB2-BA73-0AED49CE511E}" type="datetime1">
               <a:rPr lang="el-GR" smtClean="0"/>
-              <a:t>5/2/2025</a:t>
+              <a:t>6/2/2025</a:t>
             </a:fld>
             <a:endParaRPr lang="el-GR"/>
           </a:p>
@@ -1073,7 +1090,7 @@
           <a:p>
             <a:fld id="{C09D7B4D-E3C5-47FF-B802-920E7C7470B5}" type="datetime1">
               <a:rPr lang="el-GR" smtClean="0"/>
-              <a:t>5/2/2025</a:t>
+              <a:t>6/2/2025</a:t>
             </a:fld>
             <a:endParaRPr lang="el-GR"/>
           </a:p>
@@ -1329,7 +1346,7 @@
           <a:p>
             <a:fld id="{5C915F3A-2FD7-4EBB-A195-9DBFE6B4B814}" type="datetime1">
               <a:rPr lang="el-GR" smtClean="0"/>
-              <a:t>5/2/2025</a:t>
+              <a:t>6/2/2025</a:t>
             </a:fld>
             <a:endParaRPr lang="el-GR"/>
           </a:p>
@@ -1503,7 +1520,7 @@
           <a:p>
             <a:fld id="{762DBC7C-286B-4D1B-8516-303044C9B6BD}" type="datetime1">
               <a:rPr lang="el-GR" smtClean="0"/>
-              <a:t>5/2/2025</a:t>
+              <a:t>6/2/2025</a:t>
             </a:fld>
             <a:endParaRPr lang="el-GR"/>
           </a:p>
@@ -1846,7 +1863,7 @@
           <a:p>
             <a:fld id="{1B73A483-106C-466C-A851-A26F851B4639}" type="datetime1">
               <a:rPr lang="el-GR" smtClean="0"/>
-              <a:t>5/2/2025</a:t>
+              <a:t>6/2/2025</a:t>
             </a:fld>
             <a:endParaRPr lang="el-GR"/>
           </a:p>
@@ -2121,7 +2138,7 @@
           <a:p>
             <a:fld id="{BC20BC1D-4330-48D7-AE7C-3A63240B2EB3}" type="datetime1">
               <a:rPr lang="el-GR" smtClean="0"/>
-              <a:t>5/2/2025</a:t>
+              <a:t>6/2/2025</a:t>
             </a:fld>
             <a:endParaRPr lang="el-GR"/>
           </a:p>
@@ -2500,7 +2517,7 @@
           <a:p>
             <a:fld id="{5ED8887D-3C65-47B7-BAE9-59AC9A801837}" type="datetime1">
               <a:rPr lang="el-GR" smtClean="0"/>
-              <a:t>5/2/2025</a:t>
+              <a:t>6/2/2025</a:t>
             </a:fld>
             <a:endParaRPr lang="el-GR"/>
           </a:p>
@@ -2618,7 +2635,7 @@
           <a:p>
             <a:fld id="{566658FB-9D09-4231-8120-2B6C34E7FEE5}" type="datetime1">
               <a:rPr lang="el-GR" smtClean="0"/>
-              <a:t>5/2/2025</a:t>
+              <a:t>6/2/2025</a:t>
             </a:fld>
             <a:endParaRPr lang="el-GR"/>
           </a:p>
@@ -2789,7 +2806,7 @@
           <a:p>
             <a:fld id="{BCE11F6D-6CC1-4A22-A307-9CA1D0737148}" type="datetime1">
               <a:rPr lang="el-GR" smtClean="0"/>
-              <a:t>5/2/2025</a:t>
+              <a:t>6/2/2025</a:t>
             </a:fld>
             <a:endParaRPr lang="el-GR"/>
           </a:p>
@@ -3143,7 +3160,7 @@
           <a:p>
             <a:fld id="{644547B7-5BF5-49F5-87D0-61C522B14AB0}" type="datetime1">
               <a:rPr lang="el-GR" smtClean="0"/>
-              <a:t>5/2/2025</a:t>
+              <a:t>6/2/2025</a:t>
             </a:fld>
             <a:endParaRPr lang="el-GR"/>
           </a:p>
@@ -3525,7 +3542,7 @@
           <a:p>
             <a:fld id="{D6B52A26-6F6C-4FB4-ADB4-86447EBAC041}" type="datetime1">
               <a:rPr lang="el-GR" smtClean="0"/>
-              <a:t>5/2/2025</a:t>
+              <a:t>6/2/2025</a:t>
             </a:fld>
             <a:endParaRPr lang="el-GR"/>
           </a:p>
@@ -3812,7 +3829,7 @@
           <a:p>
             <a:fld id="{F57EDB81-41F5-4392-B777-9DFC6782B4D3}" type="datetime1">
               <a:rPr lang="el-GR" smtClean="0"/>
-              <a:t>5/2/2025</a:t>
+              <a:t>6/2/2025</a:t>
             </a:fld>
             <a:endParaRPr lang="el-GR"/>
           </a:p>
@@ -4425,7 +4442,7 @@
           <p:cNvPr id="6" name="Google Shape;6158;p1">
             <a:extLst>
               <a:ext uri="{FF2B5EF4-FFF2-40B4-BE49-F238E27FC236}">
-                <a16:creationId xmlns:a16="http://schemas.microsoft.com/office/drawing/2014/main" xmlns="" id="{6B4B5224-E919-243F-8B6A-4906D5068E74}"/>
+                <a16:creationId xmlns="" xmlns:a16="http://schemas.microsoft.com/office/drawing/2014/main" id="{6B4B5224-E919-243F-8B6A-4906D5068E74}"/>
               </a:ext>
             </a:extLst>
           </p:cNvPr>
@@ -4460,7 +4477,7 @@
           <p:cNvPr id="7" name="TextBox 6">
             <a:extLst>
               <a:ext uri="{FF2B5EF4-FFF2-40B4-BE49-F238E27FC236}">
-                <a16:creationId xmlns:a16="http://schemas.microsoft.com/office/drawing/2014/main" xmlns="" id="{6DAB3864-BBAF-09C0-5642-7DE0961A8339}"/>
+                <a16:creationId xmlns="" xmlns:a16="http://schemas.microsoft.com/office/drawing/2014/main" id="{6DAB3864-BBAF-09C0-5642-7DE0961A8339}"/>
               </a:ext>
             </a:extLst>
           </p:cNvPr>
@@ -4518,7 +4535,7 @@
           <a:p>
             <a:fld id="{9BC39232-8571-4F15-8C5E-BF141BBCA32D}" type="datetime1">
               <a:rPr lang="el-GR" smtClean="0"/>
-              <a:t>5/2/2025</a:t>
+              <a:t>6/2/2025</a:t>
             </a:fld>
             <a:endParaRPr lang="el-GR"/>
           </a:p>
@@ -4691,8 +4708,8 @@
         </p:nvSpPr>
         <p:spPr>
           <a:xfrm>
-            <a:off x="962025" y="1400175"/>
-            <a:ext cx="3400425" cy="923330"/>
+            <a:off x="704431" y="1364079"/>
+            <a:ext cx="11021428" cy="1754326"/>
           </a:xfrm>
           <a:prstGeom prst="rect">
             <a:avLst/>
@@ -4705,9 +4722,161 @@
           </a:bodyPr>
           <a:lstStyle/>
           <a:p>
+            <a:pPr algn="just"/>
             <a:r>
               <a:rPr lang="en-US" dirty="0" smtClean="0"/>
-              <a:t>Comment on which is the fastest and what did we expect from theory</a:t>
+              <a:t>In terms of training, Logistic Regression and decision trees are expected to be the fastest, followed by </a:t>
+            </a:r>
+            <a:r>
+              <a:rPr lang="en-US" dirty="0" err="1" smtClean="0"/>
+              <a:t>kNNs</a:t>
+            </a:r>
+            <a:r>
+              <a:rPr lang="en-US" dirty="0" smtClean="0"/>
+              <a:t>, SVMs and Random Forest. AdaBoost also is expected to be slow due to sequential learning. </a:t>
+            </a:r>
+          </a:p>
+          <a:p>
+            <a:pPr algn="just"/>
+            <a:endParaRPr lang="en-US" dirty="0"/>
+          </a:p>
+          <a:p>
+            <a:pPr algn="just"/>
+            <a:r>
+              <a:rPr lang="en-US" dirty="0" smtClean="0"/>
+              <a:t>In terms of testing, Logistic Regression generally is fast, followed by SVMs, </a:t>
+            </a:r>
+            <a:r>
+              <a:rPr lang="en-US" dirty="0" err="1" smtClean="0"/>
+              <a:t>Adaboost</a:t>
+            </a:r>
+            <a:r>
+              <a:rPr lang="en-US" dirty="0" smtClean="0"/>
+              <a:t>. Decision Trees and Random Forests can be slow depending on the depth. </a:t>
+            </a:r>
+            <a:r>
+              <a:rPr lang="en-US" dirty="0" err="1" smtClean="0"/>
+              <a:t>kNN</a:t>
+            </a:r>
+            <a:r>
+              <a:rPr lang="en-US" dirty="0" smtClean="0"/>
+              <a:t> can also be very slow since it computes the distance to every training sample. </a:t>
+            </a:r>
+            <a:endParaRPr lang="el-GR" dirty="0"/>
+          </a:p>
+        </p:txBody>
+      </p:sp>
+      <p:sp>
+        <p:nvSpPr>
+          <p:cNvPr id="6" name="TextBox 5"/>
+          <p:cNvSpPr txBox="1"/>
+          <p:nvPr/>
+        </p:nvSpPr>
+        <p:spPr>
+          <a:xfrm>
+            <a:off x="704431" y="864418"/>
+            <a:ext cx="2865120" cy="369332"/>
+          </a:xfrm>
+          <a:prstGeom prst="rect">
+            <a:avLst/>
+          </a:prstGeom>
+          <a:noFill/>
+        </p:spPr>
+        <p:txBody>
+          <a:bodyPr wrap="square" rtlCol="0">
+            <a:spAutoFit/>
+          </a:bodyPr>
+          <a:lstStyle/>
+          <a:p>
+            <a:r>
+              <a:rPr lang="en-US" b="1" dirty="0" smtClean="0">
+                <a:solidFill>
+                  <a:schemeClr val="accent2"/>
+                </a:solidFill>
+              </a:rPr>
+              <a:t>In theory…</a:t>
+            </a:r>
+            <a:endParaRPr lang="el-GR" b="1" dirty="0">
+              <a:solidFill>
+                <a:schemeClr val="accent2"/>
+              </a:solidFill>
+            </a:endParaRPr>
+          </a:p>
+        </p:txBody>
+      </p:sp>
+      <p:sp>
+        <p:nvSpPr>
+          <p:cNvPr id="7" name="TextBox 6"/>
+          <p:cNvSpPr txBox="1"/>
+          <p:nvPr/>
+        </p:nvSpPr>
+        <p:spPr>
+          <a:xfrm>
+            <a:off x="704431" y="3383574"/>
+            <a:ext cx="2865120" cy="369332"/>
+          </a:xfrm>
+          <a:prstGeom prst="rect">
+            <a:avLst/>
+          </a:prstGeom>
+          <a:noFill/>
+        </p:spPr>
+        <p:txBody>
+          <a:bodyPr wrap="square" rtlCol="0">
+            <a:spAutoFit/>
+          </a:bodyPr>
+          <a:lstStyle/>
+          <a:p>
+            <a:r>
+              <a:rPr lang="en-US" b="1" dirty="0" smtClean="0">
+                <a:solidFill>
+                  <a:schemeClr val="accent2"/>
+                </a:solidFill>
+              </a:rPr>
+              <a:t>Here…</a:t>
+            </a:r>
+            <a:endParaRPr lang="el-GR" b="1" dirty="0">
+              <a:solidFill>
+                <a:schemeClr val="accent2"/>
+              </a:solidFill>
+            </a:endParaRPr>
+          </a:p>
+        </p:txBody>
+      </p:sp>
+      <p:sp>
+        <p:nvSpPr>
+          <p:cNvPr id="8" name="TextBox 7"/>
+          <p:cNvSpPr txBox="1"/>
+          <p:nvPr/>
+        </p:nvSpPr>
+        <p:spPr>
+          <a:xfrm>
+            <a:off x="704431" y="3978950"/>
+            <a:ext cx="11021428" cy="923330"/>
+          </a:xfrm>
+          <a:prstGeom prst="rect">
+            <a:avLst/>
+          </a:prstGeom>
+          <a:noFill/>
+        </p:spPr>
+        <p:txBody>
+          <a:bodyPr wrap="square" rtlCol="0">
+            <a:spAutoFit/>
+          </a:bodyPr>
+          <a:lstStyle/>
+          <a:p>
+            <a:r>
+              <a:rPr lang="en-US" dirty="0" smtClean="0"/>
+              <a:t>Decision Tree was the fastest in both training and evaluation. Logistic Regression has also same speed in evaluation.</a:t>
+            </a:r>
+            <a:endParaRPr lang="en-US" dirty="0" smtClean="0"/>
+          </a:p>
+          <a:p>
+            <a:endParaRPr lang="en-US" dirty="0"/>
+          </a:p>
+          <a:p>
+            <a:r>
+              <a:rPr lang="en-US" dirty="0" smtClean="0"/>
+              <a:t>Random Forest with AdaBoost were the slowest; both in training and evaluation.  </a:t>
             </a:r>
             <a:endParaRPr lang="el-GR" dirty="0"/>
           </a:p>
@@ -4925,7 +5094,7 @@
           <a:p>
             <a:fld id="{BCE11F6D-6CC1-4A22-A307-9CA1D0737148}" type="datetime1">
               <a:rPr lang="el-GR" smtClean="0"/>
-              <a:t>6/2/2025</a:t>
+              <a:t>7/2/2025</a:t>
             </a:fld>
             <a:endParaRPr lang="el-GR"/>
           </a:p>
@@ -5023,7 +5192,7 @@
           <p:nvPr>
             <p:extLst>
               <p:ext uri="{D42A27DB-BD31-4B8C-83A1-F6EECF244321}">
-                <p14:modId xmlns:p14="http://schemas.microsoft.com/office/powerpoint/2010/main" val="3012930094"/>
+                <p14:modId xmlns:p14="http://schemas.microsoft.com/office/powerpoint/2010/main" val="934510804"/>
               </p:ext>
             </p:extLst>
           </p:nvPr>
@@ -5270,7 +5439,7 @@
                     <a:p>
                       <a:pPr algn="ctr" fontAlgn="b"/>
                       <a:r>
-                        <a:rPr lang="en-US" sz="1600" u="none" strike="noStrike" dirty="0" err="1">
+                        <a:rPr lang="en-US" sz="1600" u="none" strike="noStrike" dirty="0">
                           <a:effectLst/>
                           <a:latin typeface="Times New Roman" panose="02020603050405020304" pitchFamily="18" charset="0"/>
                           <a:cs typeface="Times New Roman" panose="02020603050405020304" pitchFamily="18" charset="0"/>
@@ -5886,14 +6055,14 @@
                     <a:p>
                       <a:pPr algn="ctr" fontAlgn="ctr"/>
                       <a:r>
-                        <a:rPr lang="el-GR" sz="1600" u="none" strike="noStrike">
+                        <a:rPr lang="el-GR" sz="1600" b="1" u="none" strike="noStrike" dirty="0">
                           <a:effectLst/>
                           <a:latin typeface="Times New Roman" panose="02020603050405020304" pitchFamily="18" charset="0"/>
                           <a:cs typeface="Times New Roman" panose="02020603050405020304" pitchFamily="18" charset="0"/>
                         </a:rPr>
                         <a:t>0.80 ± 0.08</a:t>
                       </a:r>
-                      <a:endParaRPr lang="el-GR" sz="1600" b="0" i="0" u="none" strike="noStrike">
+                      <a:endParaRPr lang="el-GR" sz="1600" b="1" i="0" u="none" strike="noStrike" dirty="0">
                         <a:solidFill>
                           <a:srgbClr val="000000"/>
                         </a:solidFill>
@@ -6186,14 +6355,14 @@
                     <a:p>
                       <a:pPr algn="ctr" fontAlgn="ctr"/>
                       <a:r>
-                        <a:rPr lang="el-GR" sz="1600" u="none" strike="noStrike">
+                        <a:rPr lang="el-GR" sz="1600" b="1" u="none" strike="noStrike" dirty="0">
                           <a:effectLst/>
                           <a:latin typeface="Times New Roman" panose="02020603050405020304" pitchFamily="18" charset="0"/>
                           <a:cs typeface="Times New Roman" panose="02020603050405020304" pitchFamily="18" charset="0"/>
                         </a:rPr>
                         <a:t>0.89 ± 0.04</a:t>
                       </a:r>
-                      <a:endParaRPr lang="el-GR" sz="1600" b="0" i="0" u="none" strike="noStrike">
+                      <a:endParaRPr lang="el-GR" sz="1600" b="1" i="0" u="none" strike="noStrike" dirty="0">
                         <a:solidFill>
                           <a:srgbClr val="000000"/>
                         </a:solidFill>
@@ -6294,14 +6463,14 @@
                     <a:p>
                       <a:pPr algn="ctr" fontAlgn="ctr"/>
                       <a:r>
-                        <a:rPr lang="el-GR" sz="1600" u="none" strike="noStrike">
+                        <a:rPr lang="el-GR" sz="1600" b="1" u="none" strike="noStrike" dirty="0">
                           <a:effectLst/>
                           <a:latin typeface="Times New Roman" panose="02020603050405020304" pitchFamily="18" charset="0"/>
                           <a:cs typeface="Times New Roman" panose="02020603050405020304" pitchFamily="18" charset="0"/>
                         </a:rPr>
                         <a:t>0.88 ± 0.05</a:t>
                       </a:r>
-                      <a:endParaRPr lang="el-GR" sz="1600" b="0" i="0" u="none" strike="noStrike">
+                      <a:endParaRPr lang="el-GR" sz="1600" b="1" i="0" u="none" strike="noStrike" dirty="0">
                         <a:solidFill>
                           <a:srgbClr val="000000"/>
                         </a:solidFill>
@@ -6400,6 +6569,76 @@
           </a:graphicData>
         </a:graphic>
       </p:graphicFrame>
+      <p:sp>
+        <p:nvSpPr>
+          <p:cNvPr id="7" name="TextBox 6"/>
+          <p:cNvSpPr txBox="1"/>
+          <p:nvPr/>
+        </p:nvSpPr>
+        <p:spPr>
+          <a:xfrm>
+            <a:off x="336885" y="3721705"/>
+            <a:ext cx="11417968" cy="2308324"/>
+          </a:xfrm>
+          <a:prstGeom prst="rect">
+            <a:avLst/>
+          </a:prstGeom>
+          <a:noFill/>
+        </p:spPr>
+        <p:txBody>
+          <a:bodyPr wrap="square" rtlCol="0">
+            <a:spAutoFit/>
+          </a:bodyPr>
+          <a:lstStyle/>
+          <a:p>
+            <a:pPr algn="just"/>
+            <a:r>
+              <a:rPr lang="en-US" dirty="0" smtClean="0"/>
+              <a:t>Without using Repeated K-Fold method and doing a simple train, the accuracy of the models were higher. But since the dataset is rather small, with repeated K-Fold the model is not biased due to a single split and the final estimation of performance is more stable. </a:t>
+            </a:r>
+          </a:p>
+          <a:p>
+            <a:endParaRPr lang="en-US" dirty="0"/>
+          </a:p>
+          <a:p>
+            <a:pPr algn="just"/>
+            <a:r>
+              <a:rPr lang="en-US" dirty="0" smtClean="0"/>
+              <a:t>All the models, except Decision Tree have quite similar metrics. Since we are talking about a medical diagnose, The recall should high. For example </a:t>
+            </a:r>
+            <a:r>
+              <a:rPr lang="en-US" dirty="0" err="1" smtClean="0"/>
+              <a:t>kNN</a:t>
+            </a:r>
+            <a:r>
+              <a:rPr lang="en-US" dirty="0" smtClean="0"/>
+              <a:t> misses 20% in detection of a disease with an uncertainty of </a:t>
+            </a:r>
+            <a:r>
+              <a:rPr lang="el-GR" b="1" dirty="0" smtClean="0">
+                <a:latin typeface="Times New Roman" panose="02020603050405020304" pitchFamily="18" charset="0"/>
+                <a:cs typeface="Times New Roman" panose="02020603050405020304" pitchFamily="18" charset="0"/>
+              </a:rPr>
+              <a:t>±</a:t>
+            </a:r>
+            <a:r>
+              <a:rPr lang="en-US" b="1" dirty="0" smtClean="0">
+                <a:latin typeface="Times New Roman" panose="02020603050405020304" pitchFamily="18" charset="0"/>
+                <a:cs typeface="Times New Roman" panose="02020603050405020304" pitchFamily="18" charset="0"/>
+              </a:rPr>
+              <a:t> </a:t>
+            </a:r>
+            <a:r>
+              <a:rPr lang="en-US" dirty="0" smtClean="0">
+                <a:latin typeface="Times New Roman" panose="02020603050405020304" pitchFamily="18" charset="0"/>
+                <a:cs typeface="Times New Roman" panose="02020603050405020304" pitchFamily="18" charset="0"/>
+              </a:rPr>
+              <a:t>8% and the model’s performance, by AUC-ROC, yields  an 88% probability of correctly distinguishing between presence and absence of disease with 5% uncertainty. </a:t>
+            </a:r>
+            <a:endParaRPr lang="el-GR" dirty="0"/>
+          </a:p>
+        </p:txBody>
+      </p:sp>
     </p:spTree>
     <p:extLst>
       <p:ext uri="{BB962C8B-B14F-4D97-AF65-F5344CB8AC3E}">
@@ -6443,7 +6682,7 @@
           <p:cNvPr id="4" name="Date Placeholder 11">
             <a:extLst>
               <a:ext uri="{FF2B5EF4-FFF2-40B4-BE49-F238E27FC236}">
-                <a16:creationId xmlns:a16="http://schemas.microsoft.com/office/drawing/2014/main" xmlns="" id="{2D3C8A4B-AD81-1BD8-5565-2502F7B410D1}"/>
+                <a16:creationId xmlns="" xmlns:a16="http://schemas.microsoft.com/office/drawing/2014/main" id="{2D3C8A4B-AD81-1BD8-5565-2502F7B410D1}"/>
               </a:ext>
             </a:extLst>
           </p:cNvPr>
@@ -6461,7 +6700,7 @@
           <a:p>
             <a:fld id="{1892CCE3-AC8A-4545-9117-CEAC1614514F}" type="datetime1">
               <a:rPr lang="el-GR" sz="1600" smtClean="0"/>
-              <a:t>5/2/2025</a:t>
+              <a:t>6/2/2025</a:t>
             </a:fld>
             <a:endParaRPr lang="el-GR" sz="1600" dirty="0"/>
           </a:p>
@@ -7532,7 +7771,7 @@
           <a:p>
             <a:fld id="{762DBC7C-286B-4D1B-8516-303044C9B6BD}" type="datetime1">
               <a:rPr lang="el-GR" smtClean="0"/>
-              <a:t>5/2/2025</a:t>
+              <a:t>6/2/2025</a:t>
             </a:fld>
             <a:endParaRPr lang="el-GR"/>
           </a:p>
@@ -7771,7 +8010,7 @@
           <a:p>
             <a:fld id="{BCE11F6D-6CC1-4A22-A307-9CA1D0737148}" type="datetime1">
               <a:rPr lang="el-GR" smtClean="0"/>
-              <a:t>5/2/2025</a:t>
+              <a:t>6/2/2025</a:t>
             </a:fld>
             <a:endParaRPr lang="el-GR"/>
           </a:p>
@@ -8051,7 +8290,7 @@
           <a:p>
             <a:fld id="{BCE11F6D-6CC1-4A22-A307-9CA1D0737148}" type="datetime1">
               <a:rPr lang="el-GR" smtClean="0"/>
-              <a:t>5/2/2025</a:t>
+              <a:t>6/2/2025</a:t>
             </a:fld>
             <a:endParaRPr lang="el-GR"/>
           </a:p>
@@ -8346,7 +8585,7 @@
           <a:p>
             <a:fld id="{BCE11F6D-6CC1-4A22-A307-9CA1D0737148}" type="datetime1">
               <a:rPr lang="el-GR" smtClean="0"/>
-              <a:t>5/2/2025</a:t>
+              <a:t>6/2/2025</a:t>
             </a:fld>
             <a:endParaRPr lang="el-GR"/>
           </a:p>
@@ -8525,7 +8764,7 @@
           <a:graphicData uri="http://schemas.openxmlformats.org/presentationml/2006/ole">
             <mc:AlternateContent xmlns:mc="http://schemas.openxmlformats.org/markup-compatibility/2006">
               <mc:Choice xmlns:v="urn:schemas-microsoft-com:vml" Requires="v">
-                <p:oleObj spid="_x0000_s1032" name="Equation" r:id="rId3" imgW="939600" imgH="495000" progId="Equation.DSMT4">
+                <p:oleObj spid="_x0000_s1036" name="Equation" r:id="rId3" imgW="939600" imgH="495000" progId="Equation.DSMT4">
                   <p:embed/>
                 </p:oleObj>
               </mc:Choice>
@@ -8649,13 +8888,18 @@
               <a:buChar char="•"/>
             </a:pPr>
             <a:r>
-              <a:rPr lang="en-US" sz="2000" b="1" dirty="0" smtClean="0">
+              <a:rPr lang="en-US" sz="2000" b="1" dirty="0" err="1" smtClean="0">
                 <a:solidFill>
                   <a:schemeClr val="accent1"/>
                 </a:solidFill>
               </a:rPr>
               <a:t>Adaboost</a:t>
             </a:r>
+            <a:endParaRPr lang="en-US" sz="2000" b="1" dirty="0" smtClean="0">
+              <a:solidFill>
+                <a:schemeClr val="accent1"/>
+              </a:solidFill>
+            </a:endParaRPr>
           </a:p>
           <a:p>
             <a:pPr marL="285750" indent="-285750">
@@ -8727,7 +8971,7 @@
           <a:p>
             <a:fld id="{BCE11F6D-6CC1-4A22-A307-9CA1D0737148}" type="datetime1">
               <a:rPr lang="el-GR" smtClean="0"/>
-              <a:t>5/2/2025</a:t>
+              <a:t>6/2/2025</a:t>
             </a:fld>
             <a:endParaRPr lang="el-GR"/>
           </a:p>
@@ -9595,7 +9839,7 @@
             </a:r>
             <a:r>
               <a:rPr lang="en-US" dirty="0" err="1" smtClean="0"/>
-              <a:t>kNN</a:t>
+              <a:t>Adaboost</a:t>
             </a:r>
             <a:endParaRPr lang="en-US" dirty="0" smtClean="0"/>
           </a:p>
